--- a/docs/.offline/social-banner.pptx
+++ b/docs/.offline/social-banner.pptx
@@ -3806,10 +3806,10 @@
       </p:grpSpPr>
       <p:pic>
         <p:nvPicPr>
-          <p:cNvPr id="3" name="Graphic 2">
+          <p:cNvPr id="12" name="Graphic 11">
             <a:extLst>
               <a:ext uri="{FF2B5EF4-FFF2-40B4-BE49-F238E27FC236}">
-                <a16:creationId xmlns:a16="http://schemas.microsoft.com/office/drawing/2014/main" id="{93E14A9C-BEEA-F5A9-D1AA-AD946958994C}"/>
+                <a16:creationId xmlns:a16="http://schemas.microsoft.com/office/drawing/2014/main" id="{F4A5326F-F71E-2681-A6BF-455604F584A0}"/>
               </a:ext>
             </a:extLst>
           </p:cNvPr>
@@ -5379,15 +5379,6 @@
 </file>
 
 <file path=customXml/item2.xml><?xml version="1.0" encoding="utf-8"?>
-<?mso-contentType ?>
-<FormTemplates xmlns="http://schemas.microsoft.com/sharepoint/v3/contenttype/forms">
-  <Display>DocumentLibraryForm</Display>
-  <Edit>DocumentLibraryForm</Edit>
-  <New>DocumentLibraryForm</New>
-</FormTemplates>
-</file>
-
-<file path=customXml/item3.xml><?xml version="1.0" encoding="utf-8"?>
 <ct:contentTypeSchema xmlns:ct="http://schemas.microsoft.com/office/2006/metadata/contentType" xmlns:ma="http://schemas.microsoft.com/office/2006/metadata/properties/metaAttributes" ct:_="" ma:_="" ma:contentTypeName="Document" ma:contentTypeID="0x01010039B4757EC12A854C8DEA0C333993F13C" ma:contentTypeVersion="13" ma:contentTypeDescription="Create a new document." ma:contentTypeScope="" ma:versionID="db3d97e74dda74a173567f15a2b61500">
   <xsd:schema xmlns:xsd="http://www.w3.org/2001/XMLSchema" xmlns:xs="http://www.w3.org/2001/XMLSchema" xmlns:p="http://schemas.microsoft.com/office/2006/metadata/properties" xmlns:ns3="62bc8c9b-251f-48fe-a6ec-75d721adcbf9" xmlns:ns4="a65e1435-cce4-4b60-b931-95dd04145ae4" targetNamespace="http://schemas.microsoft.com/office/2006/metadata/properties" ma:root="true" ma:fieldsID="412c3fbb7bb3dcdeed5de1dfaf3b4a91" ns3:_="" ns4:_="">
     <xsd:import namespace="62bc8c9b-251f-48fe-a6ec-75d721adcbf9"/>
@@ -5610,6 +5601,15 @@
 </ct:contentTypeSchema>
 </file>
 
+<file path=customXml/item3.xml><?xml version="1.0" encoding="utf-8"?>
+<?mso-contentType ?>
+<FormTemplates xmlns="http://schemas.microsoft.com/sharepoint/v3/contenttype/forms">
+  <Display>DocumentLibraryForm</Display>
+  <Edit>DocumentLibraryForm</Edit>
+  <New>DocumentLibraryForm</New>
+</FormTemplates>
+</file>
+
 <file path=customXml/itemProps1.xml><?xml version="1.0" encoding="utf-8"?>
 <ds:datastoreItem xmlns:ds="http://schemas.openxmlformats.org/officeDocument/2006/customXml" ds:itemID="{014BA3A2-63E0-4B7F-B3DE-3A95B2486FE0}">
   <ds:schemaRefs>
@@ -5628,14 +5628,6 @@
 </file>
 
 <file path=customXml/itemProps2.xml><?xml version="1.0" encoding="utf-8"?>
-<ds:datastoreItem xmlns:ds="http://schemas.openxmlformats.org/officeDocument/2006/customXml" ds:itemID="{E6410E9E-9826-4829-BED7-2515B80346D8}">
-  <ds:schemaRefs>
-    <ds:schemaRef ds:uri="http://schemas.microsoft.com/sharepoint/v3/contenttype/forms"/>
-  </ds:schemaRefs>
-</ds:datastoreItem>
-</file>
-
-<file path=customXml/itemProps3.xml><?xml version="1.0" encoding="utf-8"?>
 <ds:datastoreItem xmlns:ds="http://schemas.openxmlformats.org/officeDocument/2006/customXml" ds:itemID="{3ECA07D6-AC64-4A5D-96F4-BCC52FC6FA3C}">
   <ds:schemaRefs>
     <ds:schemaRef ds:uri="http://schemas.microsoft.com/office/2006/metadata/contentType"/>
@@ -5652,4 +5644,12 @@
     <ds:schemaRef ds:uri="http://schemas.microsoft.com/internal/obd"/>
   </ds:schemaRefs>
 </ds:datastoreItem>
+</file>
+
+<file path=customXml/itemProps3.xml><?xml version="1.0" encoding="utf-8"?>
+<ds:datastoreItem xmlns:ds="http://schemas.openxmlformats.org/officeDocument/2006/customXml" ds:itemID="{E6410E9E-9826-4829-BED7-2515B80346D8}">
+  <ds:schemaRefs>
+    <ds:schemaRef ds:uri="http://schemas.microsoft.com/sharepoint/v3/contenttype/forms"/>
+  </ds:schemaRefs>
+</ds:datastoreItem>
 </file>